--- a/src/40270569 Deliverable-2.pptx
+++ b/src/40270569 Deliverable-2.pptx
@@ -961,7 +961,7 @@
               <a:pPr>
                 <a:defRPr/>
               </a:pPr>
-              <a:t>7/22/2024</a:t>
+              <a:t>7/24/2024</a:t>
             </a:fld>
             <a:endParaRPr lang="en-US" altLang="en-US"/>
           </a:p>
@@ -1163,7 +1163,7 @@
               <a:pPr>
                 <a:defRPr/>
               </a:pPr>
-              <a:t>7/22/2024</a:t>
+              <a:t>7/24/2024</a:t>
             </a:fld>
             <a:endParaRPr lang="en-US" altLang="en-US"/>
           </a:p>
@@ -1375,7 +1375,7 @@
               <a:pPr>
                 <a:defRPr/>
               </a:pPr>
-              <a:t>7/22/2024</a:t>
+              <a:t>7/24/2024</a:t>
             </a:fld>
             <a:endParaRPr lang="en-US" altLang="en-US"/>
           </a:p>
@@ -1595,7 +1595,7 @@
               <a:pPr>
                 <a:defRPr/>
               </a:pPr>
-              <a:t>7/22/2024</a:t>
+              <a:t>7/24/2024</a:t>
             </a:fld>
             <a:endParaRPr lang="en-US" altLang="en-US"/>
           </a:p>
@@ -1797,7 +1797,7 @@
               <a:pPr>
                 <a:defRPr/>
               </a:pPr>
-              <a:t>7/22/2024</a:t>
+              <a:t>7/24/2024</a:t>
             </a:fld>
             <a:endParaRPr lang="en-US" altLang="en-US"/>
           </a:p>
@@ -2022,7 +2022,7 @@
               <a:pPr>
                 <a:defRPr/>
               </a:pPr>
-              <a:t>7/22/2024</a:t>
+              <a:t>7/24/2024</a:t>
             </a:fld>
             <a:endParaRPr lang="en-US" altLang="en-US"/>
           </a:p>
@@ -2341,7 +2341,7 @@
               <a:pPr>
                 <a:defRPr/>
               </a:pPr>
-              <a:t>7/22/2024</a:t>
+              <a:t>7/24/2024</a:t>
             </a:fld>
             <a:endParaRPr lang="en-US" altLang="en-US"/>
           </a:p>
@@ -2799,7 +2799,7 @@
               <a:pPr>
                 <a:defRPr/>
               </a:pPr>
-              <a:t>7/22/2024</a:t>
+              <a:t>7/24/2024</a:t>
             </a:fld>
             <a:endParaRPr lang="en-US" altLang="en-US"/>
           </a:p>
@@ -2950,7 +2950,7 @@
               <a:pPr>
                 <a:defRPr/>
               </a:pPr>
-              <a:t>7/22/2024</a:t>
+              <a:t>7/24/2024</a:t>
             </a:fld>
             <a:endParaRPr lang="en-US" altLang="en-US"/>
           </a:p>
@@ -3079,7 +3079,7 @@
               <a:pPr>
                 <a:defRPr/>
               </a:pPr>
-              <a:t>7/22/2024</a:t>
+              <a:t>7/24/2024</a:t>
             </a:fld>
             <a:endParaRPr lang="en-US" altLang="en-US"/>
           </a:p>
@@ -3388,7 +3388,7 @@
               <a:pPr>
                 <a:defRPr/>
               </a:pPr>
-              <a:t>7/22/2024</a:t>
+              <a:t>7/24/2024</a:t>
             </a:fld>
             <a:endParaRPr lang="en-US" altLang="en-US"/>
           </a:p>
@@ -3590,7 +3590,7 @@
               <a:pPr>
                 <a:defRPr/>
               </a:pPr>
-              <a:t>7/22/2024</a:t>
+              <a:t>7/24/2024</a:t>
             </a:fld>
             <a:endParaRPr lang="en-US" altLang="en-US"/>
           </a:p>
@@ -3877,7 +3877,7 @@
               <a:pPr>
                 <a:defRPr/>
               </a:pPr>
-              <a:t>7/22/2024</a:t>
+              <a:t>7/24/2024</a:t>
             </a:fld>
             <a:endParaRPr lang="en-US" altLang="en-US"/>
           </a:p>
@@ -4079,7 +4079,7 @@
               <a:pPr>
                 <a:defRPr/>
               </a:pPr>
-              <a:t>7/22/2024</a:t>
+              <a:t>7/24/2024</a:t>
             </a:fld>
             <a:endParaRPr lang="en-US" altLang="en-US"/>
           </a:p>
@@ -4291,7 +4291,7 @@
               <a:pPr>
                 <a:defRPr/>
               </a:pPr>
-              <a:t>7/22/2024</a:t>
+              <a:t>7/24/2024</a:t>
             </a:fld>
             <a:endParaRPr lang="en-US" altLang="en-US"/>
           </a:p>
@@ -4559,7 +4559,7 @@
               <a:pPr>
                 <a:defRPr/>
               </a:pPr>
-              <a:t>7/22/2024</a:t>
+              <a:t>7/24/2024</a:t>
             </a:fld>
             <a:endParaRPr lang="en-US" altLang="en-US"/>
           </a:p>
@@ -4784,7 +4784,7 @@
               <a:pPr>
                 <a:defRPr/>
               </a:pPr>
-              <a:t>7/22/2024</a:t>
+              <a:t>7/24/2024</a:t>
             </a:fld>
             <a:endParaRPr lang="en-US" altLang="en-US"/>
           </a:p>
@@ -5103,7 +5103,7 @@
               <a:pPr>
                 <a:defRPr/>
               </a:pPr>
-              <a:t>7/22/2024</a:t>
+              <a:t>7/24/2024</a:t>
             </a:fld>
             <a:endParaRPr lang="en-US" altLang="en-US"/>
           </a:p>
@@ -5561,7 +5561,7 @@
               <a:pPr>
                 <a:defRPr/>
               </a:pPr>
-              <a:t>7/22/2024</a:t>
+              <a:t>7/24/2024</a:t>
             </a:fld>
             <a:endParaRPr lang="en-US" altLang="en-US"/>
           </a:p>
@@ -5712,7 +5712,7 @@
               <a:pPr>
                 <a:defRPr/>
               </a:pPr>
-              <a:t>7/22/2024</a:t>
+              <a:t>7/24/2024</a:t>
             </a:fld>
             <a:endParaRPr lang="en-US" altLang="en-US"/>
           </a:p>
@@ -5841,7 +5841,7 @@
               <a:pPr>
                 <a:defRPr/>
               </a:pPr>
-              <a:t>7/22/2024</a:t>
+              <a:t>7/24/2024</a:t>
             </a:fld>
             <a:endParaRPr lang="en-US" altLang="en-US"/>
           </a:p>
@@ -6150,7 +6150,7 @@
               <a:pPr>
                 <a:defRPr/>
               </a:pPr>
-              <a:t>7/22/2024</a:t>
+              <a:t>7/24/2024</a:t>
             </a:fld>
             <a:endParaRPr lang="en-US" altLang="en-US"/>
           </a:p>
@@ -6437,7 +6437,7 @@
               <a:pPr>
                 <a:defRPr/>
               </a:pPr>
-              <a:t>7/22/2024</a:t>
+              <a:t>7/24/2024</a:t>
             </a:fld>
             <a:endParaRPr lang="en-US" altLang="en-US"/>
           </a:p>
@@ -6760,7 +6760,7 @@
               <a:pPr>
                 <a:defRPr/>
               </a:pPr>
-              <a:t>7/22/2024</a:t>
+              <a:t>7/24/2024</a:t>
             </a:fld>
             <a:endParaRPr lang="en-US" altLang="en-US"/>
           </a:p>
@@ -7856,7 +7856,7 @@
               <a:pPr>
                 <a:defRPr/>
               </a:pPr>
-              <a:t>7/22/2024</a:t>
+              <a:t>7/24/2024</a:t>
             </a:fld>
             <a:endParaRPr lang="en-US" altLang="en-US"/>
           </a:p>
@@ -9227,7 +9227,7 @@
         <p:spPr bwMode="auto">
           <a:xfrm>
             <a:off x="303213" y="1336675"/>
-            <a:ext cx="8662987" cy="5199964"/>
+            <a:ext cx="8662987" cy="5815517"/>
           </a:xfrm>
           <a:prstGeom prst="rect">
             <a:avLst/>
@@ -9566,6 +9566,46 @@
                 <a:spcPct val="0"/>
               </a:spcAft>
             </a:pPr>
+            <a:r>
+              <a:rPr lang="en-US" altLang="en-US" sz="2000" dirty="0">
+                <a:solidFill>
+                  <a:srgbClr val="1C1C1C"/>
+                </a:solidFill>
+                <a:latin typeface="Tahoma" pitchFamily="34" charset="0"/>
+                <a:cs typeface="Tahoma" pitchFamily="34" charset="0"/>
+                <a:hlinkClick r:id="rId9"/>
+              </a:rPr>
+              <a:t>[7]https://www.javatpoint.com/javafx-tutorial</a:t>
+            </a:r>
+            <a:endParaRPr lang="en-US" altLang="en-US" sz="2000" dirty="0">
+              <a:solidFill>
+                <a:srgbClr val="1C1C1C"/>
+              </a:solidFill>
+              <a:latin typeface="Tahoma" pitchFamily="34" charset="0"/>
+              <a:cs typeface="Tahoma" pitchFamily="34" charset="0"/>
+            </a:endParaRPr>
+          </a:p>
+          <a:p>
+            <a:pPr algn="just" eaLnBrk="1">
+              <a:spcAft>
+                <a:spcPct val="0"/>
+              </a:spcAft>
+              <a:buNone/>
+            </a:pPr>
+            <a:endParaRPr lang="en-US" altLang="en-US" sz="2000" dirty="0">
+              <a:solidFill>
+                <a:srgbClr val="1C1C1C"/>
+              </a:solidFill>
+              <a:latin typeface="Tahoma" pitchFamily="34" charset="0"/>
+              <a:cs typeface="Tahoma" pitchFamily="34" charset="0"/>
+            </a:endParaRPr>
+          </a:p>
+          <a:p>
+            <a:pPr marL="342900" indent="-342900" algn="just" eaLnBrk="1">
+              <a:spcAft>
+                <a:spcPct val="0"/>
+              </a:spcAft>
+            </a:pPr>
             <a:endParaRPr lang="en-US" altLang="en-US" sz="2000" dirty="0">
               <a:solidFill>
                 <a:srgbClr val="1C1C1C"/>
@@ -13164,10 +13204,10 @@
       </p:sp>
       <p:pic>
         <p:nvPicPr>
-          <p:cNvPr id="8" name="Picture 7">
+          <p:cNvPr id="4" name="Picture 3">
             <a:extLst>
               <a:ext uri="{FF2B5EF4-FFF2-40B4-BE49-F238E27FC236}">
-                <a16:creationId xmlns:a16="http://schemas.microsoft.com/office/drawing/2014/main" id="{761B7AB2-4C76-1A0E-7D18-2531B56BE2A0}"/>
+                <a16:creationId xmlns:a16="http://schemas.microsoft.com/office/drawing/2014/main" id="{C275C670-BFE2-6AC4-B1AD-8052A89216A8}"/>
               </a:ext>
             </a:extLst>
           </p:cNvPr>
@@ -13184,8 +13224,8 @@
         </p:blipFill>
         <p:spPr>
           <a:xfrm>
-            <a:off x="1804753" y="713147"/>
-            <a:ext cx="3919506" cy="2360133"/>
+            <a:off x="1804753" y="3260337"/>
+            <a:ext cx="3919506" cy="2374977"/>
           </a:xfrm>
           <a:prstGeom prst="rect">
             <a:avLst/>
@@ -13194,10 +13234,10 @@
       </p:pic>
       <p:pic>
         <p:nvPicPr>
-          <p:cNvPr id="10" name="Picture 9">
+          <p:cNvPr id="6" name="Picture 5">
             <a:extLst>
               <a:ext uri="{FF2B5EF4-FFF2-40B4-BE49-F238E27FC236}">
-                <a16:creationId xmlns:a16="http://schemas.microsoft.com/office/drawing/2014/main" id="{4553C328-31AD-8629-F2BF-BAB7013ECB72}"/>
+                <a16:creationId xmlns:a16="http://schemas.microsoft.com/office/drawing/2014/main" id="{98DDC5E5-76A0-C491-73D6-54C5E47F3BA5}"/>
               </a:ext>
             </a:extLst>
           </p:cNvPr>
@@ -13214,8 +13254,8 @@
         </p:blipFill>
         <p:spPr>
           <a:xfrm>
-            <a:off x="1804752" y="3252514"/>
-            <a:ext cx="3919505" cy="2369686"/>
+            <a:off x="1804751" y="667735"/>
+            <a:ext cx="3919507" cy="2372891"/>
           </a:xfrm>
           <a:prstGeom prst="rect">
             <a:avLst/>
